--- a/SPEECHTOCODECONVERTOR.pptx
+++ b/SPEECHTOCODECONVERTOR.pptx
@@ -3849,14 +3849,7 @@
                 <a:latin typeface="Times New Roman" pitchFamily="18" charset="0"/>
                 <a:cs typeface="Times New Roman" pitchFamily="18" charset="0"/>
               </a:rPr>
-              <a:t>4</a:t>
-            </a:r>
-            <a:r>
-              <a:rPr lang="en-US" sz="2800" dirty="0" smtClean="0">
-                <a:latin typeface="Times New Roman" pitchFamily="18" charset="0"/>
-                <a:cs typeface="Times New Roman" pitchFamily="18" charset="0"/>
-              </a:rPr>
-              <a:t>49-Omkar </a:t>
+              <a:t>449-Omkar </a:t>
             </a:r>
             <a:r>
               <a:rPr lang="en-US" sz="2800" dirty="0" err="1">
@@ -4181,7 +4174,7 @@
         </p:nvSpPr>
         <p:spPr>
           <a:xfrm>
-            <a:off x="549166" y="2489180"/>
+            <a:off x="517478" y="2374611"/>
             <a:ext cx="7162800" cy="5632311"/>
           </a:xfrm>
           <a:prstGeom prst="rect">
@@ -4841,7 +4834,42 @@
                 <a:latin typeface="Times New Roman" pitchFamily="18" charset="0"/>
                 <a:cs typeface="Times New Roman" pitchFamily="18" charset="0"/>
               </a:rPr>
-              <a:t>Our team is building a software which helps the user to write a code just by saying the proper syntax. For now our software is limited to one coding language i.e. PYTHON, we will take user’s voice as input and display that input in our python code editor so that the user can run this code. </a:t>
+              <a:t>Our team is building a software which helps the user to write a code just by </a:t>
+            </a:r>
+            <a:r>
+              <a:rPr lang="en-US" sz="2400" dirty="0" smtClean="0">
+                <a:latin typeface="Times New Roman" pitchFamily="18" charset="0"/>
+                <a:cs typeface="Times New Roman" pitchFamily="18" charset="0"/>
+              </a:rPr>
+              <a:t>speaking in the microphone </a:t>
+            </a:r>
+            <a:r>
+              <a:rPr lang="en-US" sz="2400" dirty="0" smtClean="0">
+                <a:latin typeface="Times New Roman" pitchFamily="18" charset="0"/>
+                <a:cs typeface="Times New Roman" pitchFamily="18" charset="0"/>
+              </a:rPr>
+              <a:t>. </a:t>
+            </a:r>
+            <a:r>
+              <a:rPr lang="en-US" sz="2400" dirty="0" smtClean="0">
+                <a:latin typeface="Times New Roman" pitchFamily="18" charset="0"/>
+                <a:cs typeface="Times New Roman" pitchFamily="18" charset="0"/>
+              </a:rPr>
+              <a:t>For now our software is limited to one coding language i.e. PYTHON, we will take user’s voice as input and display that input in our </a:t>
+            </a:r>
+            <a:r>
+              <a:rPr lang="en-US" sz="2400" dirty="0" smtClean="0">
+                <a:latin typeface="Times New Roman" pitchFamily="18" charset="0"/>
+                <a:cs typeface="Times New Roman" pitchFamily="18" charset="0"/>
+              </a:rPr>
+              <a:t>code </a:t>
+            </a:r>
+            <a:r>
+              <a:rPr lang="en-US" sz="2400" dirty="0" smtClean="0">
+                <a:latin typeface="Times New Roman" pitchFamily="18" charset="0"/>
+                <a:cs typeface="Times New Roman" pitchFamily="18" charset="0"/>
+              </a:rPr>
+              <a:t>editor so that the user can run this code. </a:t>
             </a:r>
             <a:endParaRPr lang="en-US" sz="2000" dirty="0">
               <a:latin typeface="Times New Roman" pitchFamily="18" charset="0"/>
@@ -5173,7 +5201,21 @@
                 <a:latin typeface="Times New Roman" pitchFamily="18" charset="0"/>
                 <a:cs typeface="Times New Roman" pitchFamily="18" charset="0"/>
               </a:rPr>
-              <a:t>Being a IT engineer is a difficult task as one has to be in front of the pc and type codes for long hours, this can cause pain in the arms and fingers. So to overcome this </a:t>
+              <a:t>Being a IT engineer is a difficult task as one has to be in front of the pc and type codes for long hours, this can cause pain in the </a:t>
+            </a:r>
+            <a:r>
+              <a:rPr lang="en-US" sz="2400" dirty="0" smtClean="0">
+                <a:latin typeface="Times New Roman" pitchFamily="18" charset="0"/>
+                <a:cs typeface="Times New Roman" pitchFamily="18" charset="0"/>
+              </a:rPr>
+              <a:t>arms, fingers, wrist, migraine, back pain etc. </a:t>
+            </a:r>
+            <a:r>
+              <a:rPr lang="en-US" sz="2400" dirty="0">
+                <a:latin typeface="Times New Roman" pitchFamily="18" charset="0"/>
+                <a:cs typeface="Times New Roman" pitchFamily="18" charset="0"/>
+              </a:rPr>
+              <a:t>So to overcome this </a:t>
             </a:r>
             <a:r>
               <a:rPr lang="en-US" sz="2400" dirty="0" smtClean="0">
@@ -5490,7 +5532,7 @@
         <p:spPr>
           <a:xfrm>
             <a:off x="609599" y="3124200"/>
-            <a:ext cx="7467600" cy="1938992"/>
+            <a:ext cx="7467600" cy="1569660"/>
           </a:xfrm>
           <a:prstGeom prst="rect">
             <a:avLst/>
@@ -5508,24 +5550,8 @@
                 <a:latin typeface="Times New Roman" pitchFamily="18" charset="0"/>
                 <a:cs typeface="Times New Roman" pitchFamily="18" charset="0"/>
               </a:rPr>
-              <a:t>Every </a:t>
-            </a:r>
-            <a:r>
-              <a:rPr lang="en-US" sz="2400" dirty="0" err="1">
-                <a:latin typeface="Times New Roman" pitchFamily="18" charset="0"/>
-                <a:cs typeface="Times New Roman" pitchFamily="18" charset="0"/>
-              </a:rPr>
-              <a:t>salarised</a:t>
-            </a:r>
-            <a:r>
-              <a:rPr lang="en-US" sz="2400" dirty="0">
-                <a:latin typeface="Times New Roman" pitchFamily="18" charset="0"/>
-                <a:cs typeface="Times New Roman" pitchFamily="18" charset="0"/>
-              </a:rPr>
-              <a:t> person has to make multiple calculations and has to invest  a lot of time to find out his Yearly tax. Sometimes they have to pay a professional to know their own tax.</a:t>
-            </a:r>
-          </a:p>
-          <a:p>
+              <a:t>Recent Studies have shown that a lot of programmers face health issues regarding their posture, severe pain in hand,wrist,fingers etc. since  the have to sit for long hours in front of the pc and write codes.</a:t>
+            </a:r>
             <a:endParaRPr lang="en-US" sz="2400" dirty="0">
               <a:latin typeface="Times New Roman" pitchFamily="18" charset="0"/>
               <a:cs typeface="Times New Roman" pitchFamily="18" charset="0"/>
@@ -5833,8 +5859,8 @@
         </p:nvSpPr>
         <p:spPr>
           <a:xfrm>
-            <a:off x="762000" y="2648398"/>
-            <a:ext cx="6705600" cy="2677656"/>
+            <a:off x="762000" y="2712703"/>
+            <a:ext cx="6705600" cy="2308324"/>
           </a:xfrm>
           <a:prstGeom prst="rect">
             <a:avLst/>
@@ -5869,7 +5895,21 @@
                 <a:latin typeface="Times New Roman" pitchFamily="18" charset="0"/>
                 <a:cs typeface="Times New Roman" pitchFamily="18" charset="0"/>
               </a:rPr>
-              <a:t>Our software will convert this input from speech to text and display this text in our python code editor.</a:t>
+              <a:t>Our software will convert this input from speech to text and display this text in our </a:t>
+            </a:r>
+            <a:r>
+              <a:rPr lang="en-US" sz="2400" dirty="0" smtClean="0">
+                <a:latin typeface="Times New Roman" pitchFamily="18" charset="0"/>
+                <a:cs typeface="Times New Roman" pitchFamily="18" charset="0"/>
+              </a:rPr>
+              <a:t>code </a:t>
+            </a:r>
+            <a:r>
+              <a:rPr lang="en-US" sz="2400" dirty="0" smtClean="0">
+                <a:latin typeface="Times New Roman" pitchFamily="18" charset="0"/>
+                <a:cs typeface="Times New Roman" pitchFamily="18" charset="0"/>
+              </a:rPr>
+              <a:t>editor.</a:t>
             </a:r>
           </a:p>
           <a:p>
@@ -6215,6 +6255,65 @@
           </a:p>
         </p:txBody>
       </p:sp>
+      <p:pic>
+        <p:nvPicPr>
+          <p:cNvPr id="6" name="Picture 5"/>
+          <p:cNvPicPr>
+            <a:picLocks noChangeAspect="1"/>
+          </p:cNvPicPr>
+          <p:nvPr/>
+        </p:nvPicPr>
+        <p:blipFill rotWithShape="1">
+          <a:blip r:embed="rId3">
+            <a:extLst>
+              <a:ext uri="{28A0092B-C50C-407E-A947-70E740481C1C}">
+                <a14:useLocalDpi xmlns:a14="http://schemas.microsoft.com/office/drawing/2010/main" val="0"/>
+              </a:ext>
+            </a:extLst>
+          </a:blip>
+          <a:srcRect l="1531" r="49496" b="59582"/>
+          <a:stretch/>
+        </p:blipFill>
+        <p:spPr>
+          <a:xfrm>
+            <a:off x="762000" y="2089656"/>
+            <a:ext cx="3498575" cy="2514599"/>
+          </a:xfrm>
+          <a:prstGeom prst="rect">
+            <a:avLst/>
+          </a:prstGeom>
+        </p:spPr>
+      </p:pic>
+      <p:pic>
+        <p:nvPicPr>
+          <p:cNvPr id="7" name="Picture 6"/>
+          <p:cNvPicPr>
+            <a:picLocks noChangeAspect="1"/>
+          </p:cNvPicPr>
+          <p:nvPr/>
+        </p:nvPicPr>
+        <p:blipFill>
+          <a:blip r:embed="rId4">
+            <a:extLst>
+              <a:ext uri="{28A0092B-C50C-407E-A947-70E740481C1C}">
+                <a14:useLocalDpi xmlns:a14="http://schemas.microsoft.com/office/drawing/2010/main" val="0"/>
+              </a:ext>
+            </a:extLst>
+          </a:blip>
+          <a:stretch>
+            <a:fillRect/>
+          </a:stretch>
+        </p:blipFill>
+        <p:spPr>
+          <a:xfrm>
+            <a:off x="4682209" y="4063312"/>
+            <a:ext cx="3732774" cy="2388976"/>
+          </a:xfrm>
+          <a:prstGeom prst="rect">
+            <a:avLst/>
+          </a:prstGeom>
+        </p:spPr>
+      </p:pic>
     </p:spTree>
     <p:extLst>
       <p:ext uri="{BB962C8B-B14F-4D97-AF65-F5344CB8AC3E}">
@@ -6566,8 +6665,12 @@
                 <a:latin typeface="Times New Roman" pitchFamily="18" charset="0"/>
                 <a:cs typeface="Times New Roman" pitchFamily="18" charset="0"/>
               </a:rPr>
-              <a:t>Pycharm IDE</a:t>
-            </a:r>
+              <a:t>Python (Pycharm IDE)</a:t>
+            </a:r>
+            <a:endParaRPr lang="en-US" sz="2400" dirty="0" smtClean="0">
+              <a:latin typeface="Times New Roman" pitchFamily="18" charset="0"/>
+              <a:cs typeface="Times New Roman" pitchFamily="18" charset="0"/>
+            </a:endParaRPr>
           </a:p>
           <a:p>
             <a:pPr marL="285750" indent="-285750">
